--- a/docs/Fryndo_AR_Companion_IR.pptx
+++ b/docs/Fryndo_AR_Companion_IR.pptx
@@ -3329,7 +3329,7 @@
               </a:defRPr>
             </a:pPr>
             <a:r>
-              <a:t>발표자: [이름]</a:t>
+              <a:t>발표자: 김다운</a:t>
             </a:r>
           </a:p>
         </p:txBody>
@@ -13714,7 +13714,7 @@
               </a:defRPr>
             </a:pPr>
             <a:r>
-              <a:t>📧 [이메일]  |  📱 [전화번호]</a:t>
+              <a:t>📧 kimdan2@nate.com  |  📱 010-9639-9622</a:t>
             </a:r>
           </a:p>
         </p:txBody>
